--- a/2023/02产品/SNC8x/02)Soundec产品线/01)AudioProcessor/关于DSP开发路线的建议.pptx
+++ b/2023/02产品/SNC8x/02)Soundec产品线/01)AudioProcessor/关于DSP开发路线的建议.pptx
@@ -8,6 +8,7 @@
     <p:sldId id="256" r:id="rId2"/>
     <p:sldId id="258" r:id="rId3"/>
     <p:sldId id="259" r:id="rId4"/>
+    <p:sldId id="260" r:id="rId5"/>
   </p:sldIdLst>
   <p:sldSz cx="12192000" cy="6858000"/>
   <p:notesSz cx="6858000" cy="9144000"/>
@@ -261,7 +262,7 @@
           <a:p>
             <a:fld id="{620A4A37-9C96-44AF-A21D-EA2F5D58BC3D}" type="datetimeFigureOut">
               <a:rPr lang="zh-CN" altLang="en-US" smtClean="0"/>
-              <a:t>2023/2/6</a:t>
+              <a:t>2023/4/21</a:t>
             </a:fld>
             <a:endParaRPr lang="zh-CN" altLang="en-US"/>
           </a:p>
@@ -459,7 +460,7 @@
           <a:p>
             <a:fld id="{620A4A37-9C96-44AF-A21D-EA2F5D58BC3D}" type="datetimeFigureOut">
               <a:rPr lang="zh-CN" altLang="en-US" smtClean="0"/>
-              <a:t>2023/2/6</a:t>
+              <a:t>2023/4/21</a:t>
             </a:fld>
             <a:endParaRPr lang="zh-CN" altLang="en-US"/>
           </a:p>
@@ -667,7 +668,7 @@
           <a:p>
             <a:fld id="{620A4A37-9C96-44AF-A21D-EA2F5D58BC3D}" type="datetimeFigureOut">
               <a:rPr lang="zh-CN" altLang="en-US" smtClean="0"/>
-              <a:t>2023/2/6</a:t>
+              <a:t>2023/4/21</a:t>
             </a:fld>
             <a:endParaRPr lang="zh-CN" altLang="en-US"/>
           </a:p>
@@ -865,7 +866,7 @@
           <a:p>
             <a:fld id="{620A4A37-9C96-44AF-A21D-EA2F5D58BC3D}" type="datetimeFigureOut">
               <a:rPr lang="zh-CN" altLang="en-US" smtClean="0"/>
-              <a:t>2023/2/6</a:t>
+              <a:t>2023/4/21</a:t>
             </a:fld>
             <a:endParaRPr lang="zh-CN" altLang="en-US"/>
           </a:p>
@@ -1140,7 +1141,7 @@
           <a:p>
             <a:fld id="{620A4A37-9C96-44AF-A21D-EA2F5D58BC3D}" type="datetimeFigureOut">
               <a:rPr lang="zh-CN" altLang="en-US" smtClean="0"/>
-              <a:t>2023/2/6</a:t>
+              <a:t>2023/4/21</a:t>
             </a:fld>
             <a:endParaRPr lang="zh-CN" altLang="en-US"/>
           </a:p>
@@ -1405,7 +1406,7 @@
           <a:p>
             <a:fld id="{620A4A37-9C96-44AF-A21D-EA2F5D58BC3D}" type="datetimeFigureOut">
               <a:rPr lang="zh-CN" altLang="en-US" smtClean="0"/>
-              <a:t>2023/2/6</a:t>
+              <a:t>2023/4/21</a:t>
             </a:fld>
             <a:endParaRPr lang="zh-CN" altLang="en-US"/>
           </a:p>
@@ -1817,7 +1818,7 @@
           <a:p>
             <a:fld id="{620A4A37-9C96-44AF-A21D-EA2F5D58BC3D}" type="datetimeFigureOut">
               <a:rPr lang="zh-CN" altLang="en-US" smtClean="0"/>
-              <a:t>2023/2/6</a:t>
+              <a:t>2023/4/21</a:t>
             </a:fld>
             <a:endParaRPr lang="zh-CN" altLang="en-US"/>
           </a:p>
@@ -1958,7 +1959,7 @@
           <a:p>
             <a:fld id="{620A4A37-9C96-44AF-A21D-EA2F5D58BC3D}" type="datetimeFigureOut">
               <a:rPr lang="zh-CN" altLang="en-US" smtClean="0"/>
-              <a:t>2023/2/6</a:t>
+              <a:t>2023/4/21</a:t>
             </a:fld>
             <a:endParaRPr lang="zh-CN" altLang="en-US"/>
           </a:p>
@@ -2071,7 +2072,7 @@
           <a:p>
             <a:fld id="{620A4A37-9C96-44AF-A21D-EA2F5D58BC3D}" type="datetimeFigureOut">
               <a:rPr lang="zh-CN" altLang="en-US" smtClean="0"/>
-              <a:t>2023/2/6</a:t>
+              <a:t>2023/4/21</a:t>
             </a:fld>
             <a:endParaRPr lang="zh-CN" altLang="en-US"/>
           </a:p>
@@ -2382,7 +2383,7 @@
           <a:p>
             <a:fld id="{620A4A37-9C96-44AF-A21D-EA2F5D58BC3D}" type="datetimeFigureOut">
               <a:rPr lang="zh-CN" altLang="en-US" smtClean="0"/>
-              <a:t>2023/2/6</a:t>
+              <a:t>2023/4/21</a:t>
             </a:fld>
             <a:endParaRPr lang="zh-CN" altLang="en-US"/>
           </a:p>
@@ -2670,7 +2671,7 @@
           <a:p>
             <a:fld id="{620A4A37-9C96-44AF-A21D-EA2F5D58BC3D}" type="datetimeFigureOut">
               <a:rPr lang="zh-CN" altLang="en-US" smtClean="0"/>
-              <a:t>2023/2/6</a:t>
+              <a:t>2023/4/21</a:t>
             </a:fld>
             <a:endParaRPr lang="zh-CN" altLang="en-US"/>
           </a:p>
@@ -2911,7 +2912,7 @@
           <a:p>
             <a:fld id="{620A4A37-9C96-44AF-A21D-EA2F5D58BC3D}" type="datetimeFigureOut">
               <a:rPr lang="zh-CN" altLang="en-US" smtClean="0"/>
-              <a:t>2023/2/6</a:t>
+              <a:t>2023/4/21</a:t>
             </a:fld>
             <a:endParaRPr lang="zh-CN" altLang="en-US"/>
           </a:p>
@@ -3658,7 +3659,7 @@
           <a:p>
             <a:r>
               <a:rPr lang="zh-CN" altLang="en-US" dirty="0"/>
-              <a:t>落地实施</a:t>
+              <a:t>落地实施计划</a:t>
             </a:r>
           </a:p>
         </p:txBody>
@@ -3734,6 +3735,13 @@
             <a:r>
               <a:rPr lang="zh-CN" altLang="en-US" dirty="0"/>
               <a:t>：有能力调试音箱（针对后端音效市场）</a:t>
+            </a:r>
+            <a:endParaRPr lang="en-US" altLang="zh-CN" dirty="0"/>
+          </a:p>
+          <a:p>
+            <a:r>
+              <a:rPr lang="zh-CN" altLang="en-US" dirty="0"/>
+              <a:t>找优秀的音效算法</a:t>
             </a:r>
           </a:p>
         </p:txBody>
@@ -3742,6 +3750,86 @@
     <p:extLst>
       <p:ext uri="{BB962C8B-B14F-4D97-AF65-F5344CB8AC3E}">
         <p14:creationId xmlns:p14="http://schemas.microsoft.com/office/powerpoint/2010/main" val="1011072613"/>
+      </p:ext>
+    </p:extLst>
+  </p:cSld>
+  <p:clrMapOvr>
+    <a:masterClrMapping/>
+  </p:clrMapOvr>
+</p:sld>
+</file>
+
+<file path=ppt/slides/slide4.xml><?xml version="1.0" encoding="utf-8"?>
+<p:sld xmlns:a="http://schemas.openxmlformats.org/drawingml/2006/main" xmlns:r="http://schemas.openxmlformats.org/officeDocument/2006/relationships" xmlns:p="http://schemas.openxmlformats.org/presentationml/2006/main">
+  <p:cSld>
+    <p:spTree>
+      <p:nvGrpSpPr>
+        <p:cNvPr id="1" name=""/>
+        <p:cNvGrpSpPr/>
+        <p:nvPr/>
+      </p:nvGrpSpPr>
+      <p:grpSpPr>
+        <a:xfrm>
+          <a:off x="0" y="0"/>
+          <a:ext cx="0" cy="0"/>
+          <a:chOff x="0" y="0"/>
+          <a:chExt cx="0" cy="0"/>
+        </a:xfrm>
+      </p:grpSpPr>
+      <p:sp>
+        <p:nvSpPr>
+          <p:cNvPr id="2" name="标题 1">
+            <a:extLst>
+              <a:ext uri="{FF2B5EF4-FFF2-40B4-BE49-F238E27FC236}">
+                <a16:creationId xmlns:a16="http://schemas.microsoft.com/office/drawing/2014/main" id="{2F3E6B8D-F2E8-16C4-144B-A3450A3265E8}"/>
+              </a:ext>
+            </a:extLst>
+          </p:cNvPr>
+          <p:cNvSpPr>
+            <a:spLocks noGrp="1"/>
+          </p:cNvSpPr>
+          <p:nvPr>
+            <p:ph type="title"/>
+          </p:nvPr>
+        </p:nvSpPr>
+        <p:spPr/>
+        <p:txBody>
+          <a:bodyPr/>
+          <a:lstStyle/>
+          <a:p>
+            <a:endParaRPr lang="zh-CN" altLang="en-US"/>
+          </a:p>
+        </p:txBody>
+      </p:sp>
+      <p:sp>
+        <p:nvSpPr>
+          <p:cNvPr id="3" name="内容占位符 2">
+            <a:extLst>
+              <a:ext uri="{FF2B5EF4-FFF2-40B4-BE49-F238E27FC236}">
+                <a16:creationId xmlns:a16="http://schemas.microsoft.com/office/drawing/2014/main" id="{BFC1B549-9A65-779B-5A53-D005A1D93CEE}"/>
+              </a:ext>
+            </a:extLst>
+          </p:cNvPr>
+          <p:cNvSpPr>
+            <a:spLocks noGrp="1"/>
+          </p:cNvSpPr>
+          <p:nvPr>
+            <p:ph idx="1"/>
+          </p:nvPr>
+        </p:nvSpPr>
+        <p:spPr/>
+        <p:txBody>
+          <a:bodyPr/>
+          <a:lstStyle/>
+          <a:p>
+            <a:endParaRPr lang="zh-CN" altLang="en-US" dirty="0"/>
+          </a:p>
+        </p:txBody>
+      </p:sp>
+    </p:spTree>
+    <p:extLst>
+      <p:ext uri="{BB962C8B-B14F-4D97-AF65-F5344CB8AC3E}">
+        <p14:creationId xmlns:p14="http://schemas.microsoft.com/office/powerpoint/2010/main" val="470489694"/>
       </p:ext>
     </p:extLst>
   </p:cSld>
